--- a/CV/Cenz_WongTszHo_Resume_20210927.pptx
+++ b/CV/Cenz_WongTszHo_Resume_20210927.pptx
@@ -234,7 +234,7 @@
           <a:p>
             <a:fld id="{EDAFC54F-062A-4014-97B4-3A8D6B6DC9DF}" type="datetimeFigureOut">
               <a:rPr lang="zh-HK" altLang="en-US" smtClean="0"/>
-              <a:t>27/9/2021</a:t>
+              <a:t>6/10/2021</a:t>
             </a:fld>
             <a:endParaRPr lang="zh-HK" altLang="en-US"/>
           </a:p>
@@ -631,9 +631,9 @@
           <a:bodyPr/>
           <a:lstStyle/>
           <a:p>
-            <a:fld id="{3A7D6465-621B-488F-8D2D-E0CF9EFCAFC0}" type="datetime6">
+            <a:fld id="{4F2EF80C-4A69-4375-91DA-91AFBFB431F6}" type="datetime5">
               <a:rPr lang="en-US" altLang="zh-HK" smtClean="0"/>
-              <a:t>September 21</a:t>
+              <a:t>6-Oct-21</a:t>
             </a:fld>
             <a:endParaRPr lang="en-US"/>
           </a:p>
@@ -804,9 +804,9 @@
           <a:bodyPr/>
           <a:lstStyle/>
           <a:p>
-            <a:fld id="{FA46BEE8-7988-445D-BB74-6C13EC4B4024}" type="datetime6">
+            <a:fld id="{D29446FD-8863-484D-A2B5-D34D857C81B2}" type="datetime5">
               <a:rPr lang="en-US" altLang="zh-HK" smtClean="0"/>
-              <a:t>September 21</a:t>
+              <a:t>6-Oct-21</a:t>
             </a:fld>
             <a:endParaRPr lang="en-US"/>
           </a:p>
@@ -987,9 +987,9 @@
           <a:bodyPr/>
           <a:lstStyle/>
           <a:p>
-            <a:fld id="{766CC985-F525-4C05-BC4B-703E4DB6BB72}" type="datetime6">
+            <a:fld id="{1BFB1EAF-D050-4040-A90C-E7F2E3A03A89}" type="datetime5">
               <a:rPr lang="en-US" altLang="zh-HK" smtClean="0"/>
-              <a:t>September 21</a:t>
+              <a:t>6-Oct-21</a:t>
             </a:fld>
             <a:endParaRPr lang="en-US"/>
           </a:p>
@@ -1160,9 +1160,9 @@
           <a:bodyPr/>
           <a:lstStyle/>
           <a:p>
-            <a:fld id="{309C8A99-57B8-4FD2-9454-E5F61520A194}" type="datetime6">
+            <a:fld id="{F5CB2B70-90AD-4C9E-A7E1-C816F38E9E45}" type="datetime5">
               <a:rPr lang="en-US" altLang="zh-HK" smtClean="0"/>
-              <a:t>September 21</a:t>
+              <a:t>6-Oct-21</a:t>
             </a:fld>
             <a:endParaRPr lang="en-US"/>
           </a:p>
@@ -1407,9 +1407,9 @@
           <a:bodyPr/>
           <a:lstStyle/>
           <a:p>
-            <a:fld id="{8252FC64-74F1-4048-8199-1B8640BA9322}" type="datetime6">
+            <a:fld id="{58E27239-E137-48C9-8A4D-48F62EBB1EC3}" type="datetime5">
               <a:rPr lang="en-US" altLang="zh-HK" smtClean="0"/>
-              <a:t>September 21</a:t>
+              <a:t>6-Oct-21</a:t>
             </a:fld>
             <a:endParaRPr lang="en-US"/>
           </a:p>
@@ -1642,9 +1642,9 @@
           <a:bodyPr/>
           <a:lstStyle/>
           <a:p>
-            <a:fld id="{F62C4F1F-6B17-4F41-BF63-42B52B1BE47A}" type="datetime6">
+            <a:fld id="{E1EA59D5-A704-4D2F-8D84-F08A13285CF3}" type="datetime5">
               <a:rPr lang="en-US" altLang="zh-HK" smtClean="0"/>
-              <a:t>September 21</a:t>
+              <a:t>6-Oct-21</a:t>
             </a:fld>
             <a:endParaRPr lang="en-US"/>
           </a:p>
@@ -2012,9 +2012,9 @@
           <a:bodyPr/>
           <a:lstStyle/>
           <a:p>
-            <a:fld id="{26FC40C6-B7FE-4A22-8144-E2FA50D1088B}" type="datetime6">
+            <a:fld id="{34F65592-B1FE-4069-A586-157E23885C4A}" type="datetime5">
               <a:rPr lang="en-US" altLang="zh-HK" smtClean="0"/>
-              <a:t>September 21</a:t>
+              <a:t>6-Oct-21</a:t>
             </a:fld>
             <a:endParaRPr lang="en-US"/>
           </a:p>
@@ -2133,9 +2133,9 @@
           <a:bodyPr/>
           <a:lstStyle/>
           <a:p>
-            <a:fld id="{23981B66-6EE4-43AF-BFA1-845FC733A6EF}" type="datetime6">
+            <a:fld id="{E7664556-C9B6-4881-B2F9-DB78B32081F0}" type="datetime5">
               <a:rPr lang="en-US" altLang="zh-HK" smtClean="0"/>
-              <a:t>September 21</a:t>
+              <a:t>6-Oct-21</a:t>
             </a:fld>
             <a:endParaRPr lang="en-US"/>
           </a:p>
@@ -2236,9 +2236,9 @@
           <a:bodyPr/>
           <a:lstStyle/>
           <a:p>
-            <a:fld id="{95A27414-5E28-442C-8F63-9DE7ECACCAAF}" type="datetime6">
+            <a:fld id="{623DA176-3F6D-4B58-BCED-726ADB002376}" type="datetime5">
               <a:rPr lang="en-US" altLang="zh-HK" smtClean="0"/>
-              <a:t>September 21</a:t>
+              <a:t>6-Oct-21</a:t>
             </a:fld>
             <a:endParaRPr lang="en-US" dirty="0"/>
           </a:p>
@@ -2572,9 +2572,9 @@
           <a:bodyPr/>
           <a:lstStyle/>
           <a:p>
-            <a:fld id="{874F43C1-AF31-4467-A854-70A6CA4EF3E8}" type="datetime6">
+            <a:fld id="{22F04E92-66F5-49E4-9F86-752887F48DC3}" type="datetime5">
               <a:rPr lang="en-US" altLang="zh-HK" smtClean="0"/>
-              <a:t>September 21</a:t>
+              <a:t>6-Oct-21</a:t>
             </a:fld>
             <a:endParaRPr lang="en-US"/>
           </a:p>
@@ -2832,9 +2832,9 @@
           <a:bodyPr/>
           <a:lstStyle/>
           <a:p>
-            <a:fld id="{C1C27F81-0106-4C37-AAE2-949DA27D9A3F}" type="datetime6">
+            <a:fld id="{5E831984-56C7-43B3-B757-E804664EFE99}" type="datetime5">
               <a:rPr lang="en-US" altLang="zh-HK" smtClean="0"/>
-              <a:t>September 21</a:t>
+              <a:t>6-Oct-21</a:t>
             </a:fld>
             <a:endParaRPr lang="en-US"/>
           </a:p>
@@ -3048,9 +3048,9 @@
             </a:lvl1pPr>
           </a:lstStyle>
           <a:p>
-            <a:fld id="{6340155F-8762-40A5-B192-C4982F31BF2E}" type="datetime6">
+            <a:fld id="{6FED590C-1DAE-44C7-B590-9C66AD1B9DB1}" type="datetime5">
               <a:rPr lang="en-US" altLang="zh-HK" smtClean="0"/>
-              <a:t>September 21</a:t>
+              <a:t>6-Oct-21</a:t>
             </a:fld>
             <a:endParaRPr lang="en-US"/>
           </a:p>
@@ -5207,9 +5207,9 @@
           <a:bodyPr/>
           <a:lstStyle/>
           <a:p>
-            <a:fld id="{ABB256C7-B878-41FE-82D7-D1D1EB547AF1}" type="datetime6">
+            <a:fld id="{EDFF95E1-BF26-45DF-991F-2EAC59D9513C}" type="datetime5">
               <a:rPr lang="en-US" altLang="zh-HK" smtClean="0"/>
-              <a:t>September 21</a:t>
+              <a:t>6-Oct-21</a:t>
             </a:fld>
             <a:endParaRPr lang="en-US"/>
           </a:p>
@@ -6815,9 +6815,9 @@
           <a:bodyPr/>
           <a:lstStyle/>
           <a:p>
-            <a:fld id="{B9F428B2-4FBF-43E2-B457-47D719011BF6}" type="datetime6">
+            <a:fld id="{2F828260-4CFA-4CBA-AA55-BD48C1655530}" type="datetime5">
               <a:rPr lang="en-US" altLang="zh-HK" smtClean="0"/>
-              <a:t>September 21</a:t>
+              <a:t>6-Oct-21</a:t>
             </a:fld>
             <a:endParaRPr lang="en-US"/>
           </a:p>
@@ -8557,9 +8557,9 @@
           <a:bodyPr/>
           <a:lstStyle/>
           <a:p>
-            <a:fld id="{0AE6C17D-A0C7-4C08-9C40-136DE4093E4B}" type="datetime6">
+            <a:fld id="{B233B4E7-D90A-4015-AA6F-FFFC05B8DF9F}" type="datetime5">
               <a:rPr lang="en-US" altLang="zh-HK" smtClean="0"/>
-              <a:t>September 21</a:t>
+              <a:t>6-Oct-21</a:t>
             </a:fld>
             <a:endParaRPr lang="en-US"/>
           </a:p>
@@ -10215,9 +10215,9 @@
           <a:bodyPr/>
           <a:lstStyle/>
           <a:p>
-            <a:fld id="{0D8E057D-FFED-4405-995A-C154B4065B62}" type="datetime6">
+            <a:fld id="{D2871FD4-8B1B-4353-A485-392409F8949E}" type="datetime5">
               <a:rPr lang="en-US" altLang="zh-HK" smtClean="0"/>
-              <a:t>September 21</a:t>
+              <a:t>6-Oct-21</a:t>
             </a:fld>
             <a:endParaRPr lang="en-US"/>
           </a:p>
@@ -11511,9 +11511,9 @@
           <a:bodyPr/>
           <a:lstStyle/>
           <a:p>
-            <a:fld id="{C1A1945B-D1FC-4C4A-8956-B1D0919743E4}" type="datetime6">
+            <a:fld id="{2E1F1EAE-8D35-4638-A9CE-B8203EDBC2E0}" type="datetime5">
               <a:rPr lang="en-US" altLang="zh-HK" smtClean="0"/>
-              <a:t>September 21</a:t>
+              <a:t>6-Oct-21</a:t>
             </a:fld>
             <a:endParaRPr lang="en-US" dirty="0"/>
           </a:p>
@@ -13838,9 +13838,9 @@
           <a:bodyPr/>
           <a:lstStyle/>
           <a:p>
-            <a:fld id="{8FB8B032-8EDB-4E88-9616-B9D0CD991151}" type="datetime6">
+            <a:fld id="{A930EB08-7FC8-46A9-8B61-AE1E2FBEF37A}" type="datetime5">
               <a:rPr lang="en-US" altLang="zh-HK" smtClean="0"/>
-              <a:t>September 21</a:t>
+              <a:t>6-Oct-21</a:t>
             </a:fld>
             <a:endParaRPr lang="en-US" dirty="0"/>
           </a:p>
@@ -15068,9 +15068,9 @@
           <a:bodyPr/>
           <a:lstStyle/>
           <a:p>
-            <a:fld id="{1F17B1FC-EEC3-469D-B4CB-BA784887E626}" type="datetime6">
+            <a:fld id="{85F76A26-4E0C-46E1-B366-89122119BFFF}" type="datetime5">
               <a:rPr lang="en-US" altLang="zh-HK" sz="1000" smtClean="0"/>
-              <a:t>September 21</a:t>
+              <a:t>6-Oct-21</a:t>
             </a:fld>
             <a:r>
               <a:rPr lang="en-US" altLang="zh-HK" sz="1000"/>
@@ -17340,9 +17340,9 @@
           <a:bodyPr/>
           <a:lstStyle/>
           <a:p>
-            <a:fld id="{EBD20C23-7787-41C0-8029-594E00E21AA3}" type="datetime6">
+            <a:fld id="{3FC846B9-A401-4913-82D3-9DC0C0005DE3}" type="datetime5">
               <a:rPr lang="en-US" altLang="zh-HK" sz="1000" smtClean="0"/>
-              <a:t>September 21</a:t>
+              <a:t>6-Oct-21</a:t>
             </a:fld>
             <a:r>
               <a:rPr lang="en-US" altLang="zh-HK" sz="1000"/>
@@ -18782,9 +18782,9 @@
         <p:grpSpPr>
           <a:xfrm>
             <a:off x="2297479" y="104398"/>
-            <a:ext cx="4379581" cy="2743764"/>
+            <a:ext cx="4414470" cy="2743764"/>
             <a:chOff x="2288510" y="47322"/>
-            <a:chExt cx="4843747" cy="2743764"/>
+            <a:chExt cx="4882334" cy="2743764"/>
           </a:xfrm>
         </p:grpSpPr>
         <p:sp>
@@ -18802,7 +18802,7 @@
           <p:spPr>
             <a:xfrm>
               <a:off x="2288510" y="47322"/>
-              <a:ext cx="4843747" cy="2743764"/>
+              <a:ext cx="4882334" cy="2743764"/>
             </a:xfrm>
             <a:prstGeom prst="rect">
               <a:avLst/>
@@ -18833,7 +18833,7 @@
               </a:pPr>
               <a:r>
                 <a:rPr lang="en-US" sz="1200" dirty="0"/>
-                <a:t>The Hong Kong University of Science and Technology [2020 - now]</a:t>
+                <a:t>The Hong Kong University of Science and Technology [2020 – 2022*]</a:t>
               </a:r>
             </a:p>
             <a:p>
@@ -18881,7 +18881,7 @@
               </a:pPr>
               <a:r>
                 <a:rPr lang="en-US" sz="1200" dirty="0"/>
-                <a:t>The Hong Kong Polytechnic University [2015 – 2020(planned)]</a:t>
+                <a:t>The Hong Kong Polytechnic University [2015 – 2020]</a:t>
               </a:r>
             </a:p>
             <a:p>
@@ -19308,9 +19308,9 @@
           <a:bodyPr/>
           <a:lstStyle/>
           <a:p>
-            <a:fld id="{1F17B1FC-EEC3-469D-B4CB-BA784887E626}" type="datetime6">
+            <a:fld id="{FF08D7C8-BB35-4EE8-9F72-9BF135202736}" type="datetime5">
               <a:rPr lang="en-US" altLang="zh-HK" sz="1000" smtClean="0"/>
-              <a:t>September 21</a:t>
+              <a:t>6-Oct-21</a:t>
             </a:fld>
             <a:r>
               <a:rPr lang="en-US" altLang="zh-HK" sz="1000"/>
@@ -19954,8 +19954,8 @@
         </p:nvSpPr>
         <p:spPr>
           <a:xfrm>
-            <a:off x="471487" y="9617174"/>
-            <a:ext cx="1647941" cy="198417"/>
+            <a:off x="437969" y="9617174"/>
+            <a:ext cx="1821204" cy="198417"/>
           </a:xfrm>
           <a:prstGeom prst="rect">
             <a:avLst/>
@@ -19984,7 +19984,7 @@
           <a:lstStyle/>
           <a:p>
             <a:pPr algn="ctr"/>
-            <a:endParaRPr lang="en-US"/>
+            <a:endParaRPr lang="en-US" dirty="0"/>
           </a:p>
         </p:txBody>
       </p:sp>
@@ -20212,6 +20212,41 @@
           </a:prstGeom>
         </p:spPr>
       </p:pic>
+      <p:sp>
+        <p:nvSpPr>
+          <p:cNvPr id="3" name="TextBox 2">
+            <a:extLst>
+              <a:ext uri="{FF2B5EF4-FFF2-40B4-BE49-F238E27FC236}">
+                <a16:creationId xmlns:a16="http://schemas.microsoft.com/office/drawing/2014/main" id="{1C742958-BA24-4C67-BF95-FB1C2B52BEF1}"/>
+              </a:ext>
+            </a:extLst>
+          </p:cNvPr>
+          <p:cNvSpPr txBox="1"/>
+          <p:nvPr/>
+        </p:nvSpPr>
+        <p:spPr>
+          <a:xfrm>
+            <a:off x="6025478" y="634618"/>
+            <a:ext cx="625492" cy="230832"/>
+          </a:xfrm>
+          <a:prstGeom prst="rect">
+            <a:avLst/>
+          </a:prstGeom>
+          <a:noFill/>
+        </p:spPr>
+        <p:txBody>
+          <a:bodyPr wrap="none" rtlCol="0">
+            <a:spAutoFit/>
+          </a:bodyPr>
+          <a:lstStyle/>
+          <a:p>
+            <a:r>
+              <a:rPr lang="en-US" sz="900" dirty="0"/>
+              <a:t>*planned</a:t>
+            </a:r>
+          </a:p>
+        </p:txBody>
+      </p:sp>
     </p:spTree>
     <p:extLst>
       <p:ext uri="{BB962C8B-B14F-4D97-AF65-F5344CB8AC3E}">

--- a/CV/Cenz_WongTszHo_Resume_20210927.pptx
+++ b/CV/Cenz_WongTszHo_Resume_20210927.pptx
@@ -234,7 +234,7 @@
           <a:p>
             <a:fld id="{EDAFC54F-062A-4014-97B4-3A8D6B6DC9DF}" type="datetimeFigureOut">
               <a:rPr lang="zh-HK" altLang="en-US" smtClean="0"/>
-              <a:t>6/10/2021</a:t>
+              <a:t>24/10/2021</a:t>
             </a:fld>
             <a:endParaRPr lang="zh-HK" altLang="en-US"/>
           </a:p>
@@ -633,7 +633,7 @@
           <a:p>
             <a:fld id="{4F2EF80C-4A69-4375-91DA-91AFBFB431F6}" type="datetime5">
               <a:rPr lang="en-US" altLang="zh-HK" smtClean="0"/>
-              <a:t>6-Oct-21</a:t>
+              <a:t>24-Oct-21</a:t>
             </a:fld>
             <a:endParaRPr lang="en-US"/>
           </a:p>
@@ -806,7 +806,7 @@
           <a:p>
             <a:fld id="{D29446FD-8863-484D-A2B5-D34D857C81B2}" type="datetime5">
               <a:rPr lang="en-US" altLang="zh-HK" smtClean="0"/>
-              <a:t>6-Oct-21</a:t>
+              <a:t>24-Oct-21</a:t>
             </a:fld>
             <a:endParaRPr lang="en-US"/>
           </a:p>
@@ -989,7 +989,7 @@
           <a:p>
             <a:fld id="{1BFB1EAF-D050-4040-A90C-E7F2E3A03A89}" type="datetime5">
               <a:rPr lang="en-US" altLang="zh-HK" smtClean="0"/>
-              <a:t>6-Oct-21</a:t>
+              <a:t>24-Oct-21</a:t>
             </a:fld>
             <a:endParaRPr lang="en-US"/>
           </a:p>
@@ -1162,7 +1162,7 @@
           <a:p>
             <a:fld id="{F5CB2B70-90AD-4C9E-A7E1-C816F38E9E45}" type="datetime5">
               <a:rPr lang="en-US" altLang="zh-HK" smtClean="0"/>
-              <a:t>6-Oct-21</a:t>
+              <a:t>24-Oct-21</a:t>
             </a:fld>
             <a:endParaRPr lang="en-US"/>
           </a:p>
@@ -1409,7 +1409,7 @@
           <a:p>
             <a:fld id="{58E27239-E137-48C9-8A4D-48F62EBB1EC3}" type="datetime5">
               <a:rPr lang="en-US" altLang="zh-HK" smtClean="0"/>
-              <a:t>6-Oct-21</a:t>
+              <a:t>24-Oct-21</a:t>
             </a:fld>
             <a:endParaRPr lang="en-US"/>
           </a:p>
@@ -1644,7 +1644,7 @@
           <a:p>
             <a:fld id="{E1EA59D5-A704-4D2F-8D84-F08A13285CF3}" type="datetime5">
               <a:rPr lang="en-US" altLang="zh-HK" smtClean="0"/>
-              <a:t>6-Oct-21</a:t>
+              <a:t>24-Oct-21</a:t>
             </a:fld>
             <a:endParaRPr lang="en-US"/>
           </a:p>
@@ -2014,7 +2014,7 @@
           <a:p>
             <a:fld id="{34F65592-B1FE-4069-A586-157E23885C4A}" type="datetime5">
               <a:rPr lang="en-US" altLang="zh-HK" smtClean="0"/>
-              <a:t>6-Oct-21</a:t>
+              <a:t>24-Oct-21</a:t>
             </a:fld>
             <a:endParaRPr lang="en-US"/>
           </a:p>
@@ -2135,7 +2135,7 @@
           <a:p>
             <a:fld id="{E7664556-C9B6-4881-B2F9-DB78B32081F0}" type="datetime5">
               <a:rPr lang="en-US" altLang="zh-HK" smtClean="0"/>
-              <a:t>6-Oct-21</a:t>
+              <a:t>24-Oct-21</a:t>
             </a:fld>
             <a:endParaRPr lang="en-US"/>
           </a:p>
@@ -2238,7 +2238,7 @@
           <a:p>
             <a:fld id="{623DA176-3F6D-4B58-BCED-726ADB002376}" type="datetime5">
               <a:rPr lang="en-US" altLang="zh-HK" smtClean="0"/>
-              <a:t>6-Oct-21</a:t>
+              <a:t>24-Oct-21</a:t>
             </a:fld>
             <a:endParaRPr lang="en-US" dirty="0"/>
           </a:p>
@@ -2574,7 +2574,7 @@
           <a:p>
             <a:fld id="{22F04E92-66F5-49E4-9F86-752887F48DC3}" type="datetime5">
               <a:rPr lang="en-US" altLang="zh-HK" smtClean="0"/>
-              <a:t>6-Oct-21</a:t>
+              <a:t>24-Oct-21</a:t>
             </a:fld>
             <a:endParaRPr lang="en-US"/>
           </a:p>
@@ -2834,7 +2834,7 @@
           <a:p>
             <a:fld id="{5E831984-56C7-43B3-B757-E804664EFE99}" type="datetime5">
               <a:rPr lang="en-US" altLang="zh-HK" smtClean="0"/>
-              <a:t>6-Oct-21</a:t>
+              <a:t>24-Oct-21</a:t>
             </a:fld>
             <a:endParaRPr lang="en-US"/>
           </a:p>
@@ -3050,7 +3050,7 @@
           <a:p>
             <a:fld id="{6FED590C-1DAE-44C7-B590-9C66AD1B9DB1}" type="datetime5">
               <a:rPr lang="en-US" altLang="zh-HK" smtClean="0"/>
-              <a:t>6-Oct-21</a:t>
+              <a:t>24-Oct-21</a:t>
             </a:fld>
             <a:endParaRPr lang="en-US"/>
           </a:p>
@@ -5209,7 +5209,7 @@
           <a:p>
             <a:fld id="{EDFF95E1-BF26-45DF-991F-2EAC59D9513C}" type="datetime5">
               <a:rPr lang="en-US" altLang="zh-HK" smtClean="0"/>
-              <a:t>6-Oct-21</a:t>
+              <a:t>24-Oct-21</a:t>
             </a:fld>
             <a:endParaRPr lang="en-US"/>
           </a:p>
@@ -6817,7 +6817,7 @@
           <a:p>
             <a:fld id="{2F828260-4CFA-4CBA-AA55-BD48C1655530}" type="datetime5">
               <a:rPr lang="en-US" altLang="zh-HK" smtClean="0"/>
-              <a:t>6-Oct-21</a:t>
+              <a:t>24-Oct-21</a:t>
             </a:fld>
             <a:endParaRPr lang="en-US"/>
           </a:p>
@@ -8559,7 +8559,7 @@
           <a:p>
             <a:fld id="{B233B4E7-D90A-4015-AA6F-FFFC05B8DF9F}" type="datetime5">
               <a:rPr lang="en-US" altLang="zh-HK" smtClean="0"/>
-              <a:t>6-Oct-21</a:t>
+              <a:t>24-Oct-21</a:t>
             </a:fld>
             <a:endParaRPr lang="en-US"/>
           </a:p>
@@ -10217,7 +10217,7 @@
           <a:p>
             <a:fld id="{D2871FD4-8B1B-4353-A485-392409F8949E}" type="datetime5">
               <a:rPr lang="en-US" altLang="zh-HK" smtClean="0"/>
-              <a:t>6-Oct-21</a:t>
+              <a:t>24-Oct-21</a:t>
             </a:fld>
             <a:endParaRPr lang="en-US"/>
           </a:p>
@@ -11513,7 +11513,7 @@
           <a:p>
             <a:fld id="{2E1F1EAE-8D35-4638-A9CE-B8203EDBC2E0}" type="datetime5">
               <a:rPr lang="en-US" altLang="zh-HK" smtClean="0"/>
-              <a:t>6-Oct-21</a:t>
+              <a:t>24-Oct-21</a:t>
             </a:fld>
             <a:endParaRPr lang="en-US" dirty="0"/>
           </a:p>
@@ -13840,7 +13840,7 @@
           <a:p>
             <a:fld id="{A930EB08-7FC8-46A9-8B61-AE1E2FBEF37A}" type="datetime5">
               <a:rPr lang="en-US" altLang="zh-HK" smtClean="0"/>
-              <a:t>6-Oct-21</a:t>
+              <a:t>24-Oct-21</a:t>
             </a:fld>
             <a:endParaRPr lang="en-US" dirty="0"/>
           </a:p>
@@ -15070,7 +15070,7 @@
           <a:p>
             <a:fld id="{85F76A26-4E0C-46E1-B366-89122119BFFF}" type="datetime5">
               <a:rPr lang="en-US" altLang="zh-HK" sz="1000" smtClean="0"/>
-              <a:t>6-Oct-21</a:t>
+              <a:t>24-Oct-21</a:t>
             </a:fld>
             <a:r>
               <a:rPr lang="en-US" altLang="zh-HK" sz="1000"/>
@@ -17342,7 +17342,7 @@
           <a:p>
             <a:fld id="{3FC846B9-A401-4913-82D3-9DC0C0005DE3}" type="datetime5">
               <a:rPr lang="en-US" altLang="zh-HK" sz="1000" smtClean="0"/>
-              <a:t>6-Oct-21</a:t>
+              <a:t>24-Oct-21</a:t>
             </a:fld>
             <a:r>
               <a:rPr lang="en-US" altLang="zh-HK" sz="1000"/>
@@ -19310,7 +19310,7 @@
           <a:p>
             <a:fld id="{FF08D7C8-BB35-4EE8-9F72-9BF135202736}" type="datetime5">
               <a:rPr lang="en-US" altLang="zh-HK" sz="1000" smtClean="0"/>
-              <a:t>6-Oct-21</a:t>
+              <a:t>24-Oct-21</a:t>
             </a:fld>
             <a:r>
               <a:rPr lang="en-US" altLang="zh-HK" sz="1000"/>
@@ -19412,7 +19412,7 @@
           <p:nvPr>
             <p:extLst>
               <p:ext uri="{D42A27DB-BD31-4B8C-83A1-F6EECF244321}">
-                <p14:modId xmlns:p14="http://schemas.microsoft.com/office/powerpoint/2010/main" val="357541531"/>
+                <p14:modId xmlns:p14="http://schemas.microsoft.com/office/powerpoint/2010/main" val="3941857452"/>
               </p:ext>
             </p:extLst>
           </p:nvPr>
@@ -19550,13 +19550,43 @@
                       </a:pPr>
                       <a:r>
                         <a:rPr lang="en-US" altLang="zh-HK" sz="1100" dirty="0"/>
-                        <a:t>: linkedin.com/in/</a:t>
+                        <a:t>: </a:t>
                       </a:r>
                       <a:r>
-                        <a:rPr lang="en-US" altLang="zh-HK" sz="1100" dirty="0" err="1"/>
+                        <a:rPr lang="en-US" altLang="zh-HK" sz="1100" dirty="0">
+                          <a:solidFill>
+                            <a:schemeClr val="tx1"/>
+                          </a:solidFill>
+                          <a:hlinkClick r:id="rId14">
+                            <a:extLst>
+                              <a:ext uri="{A12FA001-AC4F-418D-AE19-62706E023703}">
+                                <ahyp:hlinkClr xmlns:ahyp="http://schemas.microsoft.com/office/drawing/2018/hyperlinkcolor" val="tx"/>
+                              </a:ext>
+                            </a:extLst>
+                          </a:hlinkClick>
+                        </a:rPr>
+                        <a:t>linkedin.com/in/</a:t>
+                      </a:r>
+                      <a:r>
+                        <a:rPr lang="en-US" altLang="zh-HK" sz="1100" dirty="0" err="1">
+                          <a:solidFill>
+                            <a:schemeClr val="tx1"/>
+                          </a:solidFill>
+                          <a:hlinkClick r:id="rId14">
+                            <a:extLst>
+                              <a:ext uri="{A12FA001-AC4F-418D-AE19-62706E023703}">
+                                <ahyp:hlinkClr xmlns:ahyp="http://schemas.microsoft.com/office/drawing/2018/hyperlinkcolor" val="tx"/>
+                              </a:ext>
+                            </a:extLst>
+                          </a:hlinkClick>
+                        </a:rPr>
                         <a:t>CenzWong</a:t>
                       </a:r>
-                      <a:endParaRPr lang="en-US" altLang="zh-HK" sz="1100" dirty="0"/>
+                      <a:endParaRPr lang="en-US" altLang="zh-HK" sz="1100" dirty="0">
+                        <a:solidFill>
+                          <a:schemeClr val="tx1"/>
+                        </a:solidFill>
+                      </a:endParaRPr>
                     </a:p>
                   </a:txBody>
                   <a:tcPr/>
@@ -19580,9 +19610,28 @@
                       </a:pPr>
                       <a:r>
                         <a:rPr lang="en-US" altLang="zh-HK" sz="1100" dirty="0"/>
-                        <a:t>: cenzwong.github.io</a:t>
+                        <a:t>: </a:t>
                       </a:r>
-                      <a:endParaRPr lang="zh-HK" altLang="en-US" sz="1100" dirty="0"/>
+                      <a:r>
+                        <a:rPr lang="en-US" altLang="zh-HK" sz="1100" u="sng" dirty="0">
+                          <a:solidFill>
+                            <a:schemeClr val="tx1"/>
+                          </a:solidFill>
+                          <a:hlinkClick r:id="rId3">
+                            <a:extLst>
+                              <a:ext uri="{A12FA001-AC4F-418D-AE19-62706E023703}">
+                                <ahyp:hlinkClr xmlns:ahyp="http://schemas.microsoft.com/office/drawing/2018/hyperlinkcolor" val="tx"/>
+                              </a:ext>
+                            </a:extLst>
+                          </a:hlinkClick>
+                        </a:rPr>
+                        <a:t>cenzwong.github.io</a:t>
+                      </a:r>
+                      <a:endParaRPr lang="zh-HK" altLang="en-US" sz="1100" u="sng" dirty="0">
+                        <a:solidFill>
+                          <a:schemeClr val="tx1"/>
+                        </a:solidFill>
+                      </a:endParaRPr>
                     </a:p>
                   </a:txBody>
                   <a:tcPr/>
@@ -19861,7 +19910,7 @@
         </p:nvCxnSpPr>
         <p:spPr>
           <a:xfrm>
-            <a:off x="2340768" y="1550499"/>
+            <a:off x="2240692" y="1465152"/>
             <a:ext cx="4289282" cy="0"/>
           </a:xfrm>
           <a:prstGeom prst="line">
@@ -19942,7 +19991,7 @@
       <p:sp>
         <p:nvSpPr>
           <p:cNvPr id="31" name="矩形 30">
-            <a:hlinkClick r:id="rId14"/>
+            <a:hlinkClick r:id="rId15"/>
             <a:extLst>
               <a:ext uri="{FF2B5EF4-FFF2-40B4-BE49-F238E27FC236}">
                 <a16:creationId xmlns:a16="http://schemas.microsoft.com/office/drawing/2014/main" id="{A9A256B6-93D9-41ED-951D-603017C2D9EA}"/>
@@ -20107,6 +20156,7 @@
       <p:pic>
         <p:nvPicPr>
           <p:cNvPr id="11" name="Picture 10" descr="Graphical user interface&#10;&#10;Description automatically generated">
+            <a:hlinkClick r:id="rId16"/>
             <a:extLst>
               <a:ext uri="{FF2B5EF4-FFF2-40B4-BE49-F238E27FC236}">
                 <a16:creationId xmlns:a16="http://schemas.microsoft.com/office/drawing/2014/main" id="{E12EFF90-467C-4872-9975-260167ACBA05}"/>
@@ -20119,7 +20169,7 @@
           <p:nvPr/>
         </p:nvPicPr>
         <p:blipFill>
-          <a:blip r:embed="rId15">
+          <a:blip r:embed="rId17">
             <a:extLst>
               <a:ext uri="{28A0092B-C50C-407E-A947-70E740481C1C}">
                 <a14:useLocalDpi xmlns:a14="http://schemas.microsoft.com/office/drawing/2010/main" val="0"/>
@@ -20143,6 +20193,7 @@
       <p:pic>
         <p:nvPicPr>
           <p:cNvPr id="21" name="Picture 20" descr="Graphical user interface&#10;&#10;Description automatically generated with medium confidence">
+            <a:hlinkClick r:id="rId18"/>
             <a:extLst>
               <a:ext uri="{FF2B5EF4-FFF2-40B4-BE49-F238E27FC236}">
                 <a16:creationId xmlns:a16="http://schemas.microsoft.com/office/drawing/2014/main" id="{6B8FD42C-7133-4C66-A2D9-AF23A5BD0CEB}"/>
@@ -20155,7 +20206,7 @@
           <p:nvPr/>
         </p:nvPicPr>
         <p:blipFill>
-          <a:blip r:embed="rId16">
+          <a:blip r:embed="rId19">
             <a:extLst>
               <a:ext uri="{28A0092B-C50C-407E-A947-70E740481C1C}">
                 <a14:useLocalDpi xmlns:a14="http://schemas.microsoft.com/office/drawing/2010/main" val="0"/>
@@ -20179,6 +20230,7 @@
       <p:pic>
         <p:nvPicPr>
           <p:cNvPr id="26" name="Picture 25" descr="A picture containing text, sign&#10;&#10;Description automatically generated">
+            <a:hlinkClick r:id="rId20"/>
             <a:extLst>
               <a:ext uri="{FF2B5EF4-FFF2-40B4-BE49-F238E27FC236}">
                 <a16:creationId xmlns:a16="http://schemas.microsoft.com/office/drawing/2014/main" id="{78FE3467-875A-4B5C-B14A-D2F1B2188584}"/>
@@ -20191,7 +20243,7 @@
           <p:nvPr/>
         </p:nvPicPr>
         <p:blipFill>
-          <a:blip r:embed="rId17">
+          <a:blip r:embed="rId21">
             <a:extLst>
               <a:ext uri="{28A0092B-C50C-407E-A947-70E740481C1C}">
                 <a14:useLocalDpi xmlns:a14="http://schemas.microsoft.com/office/drawing/2010/main" val="0"/>
